--- a/logos/gif_grupo_govan.pptx
+++ b/logos/gif_grupo_govan.pptx
@@ -3017,6 +3017,9 @@
           <a:solidFill>
             <a:schemeClr val="bg1"/>
           </a:solidFill>
+          <a:ln>
+            <a:noFill/>
+          </a:ln>
         </p:spPr>
         <p:style>
           <a:lnRef idx="2">
@@ -3078,9 +3081,7 @@
             <a:avLst/>
           </a:prstGeom>
           <a:ln>
-            <a:solidFill>
-              <a:srgbClr val="FF0000"/>
-            </a:solidFill>
+            <a:noFill/>
           </a:ln>
         </p:spPr>
       </p:pic>
@@ -3201,7 +3202,7 @@
                                   <p:childTnLst>
                                     <p:animEffect transition="out" filter="fade">
                                       <p:cBhvr>
-                                        <p:cTn id="13" dur="500"/>
+                                        <p:cTn id="13" dur="600"/>
                                         <p:tgtEl>
                                           <p:spTgt spid="8"/>
                                         </p:tgtEl>
@@ -3211,7 +3212,7 @@
                                       <p:cBhvr>
                                         <p:cTn id="14" dur="1" fill="hold">
                                           <p:stCondLst>
-                                            <p:cond delay="499"/>
+                                            <p:cond delay="599"/>
                                           </p:stCondLst>
                                         </p:cTn>
                                         <p:tgtEl>
